--- a/figures/kd-figs/conceptual_threepanel.pptx
+++ b/figures/kd-figs/conceptual_threepanel.pptx
@@ -4,9 +4,13 @@
   <p:sldMasterIdLst>
     <p:sldMasterId id="2147483660" r:id="rId1"/>
   </p:sldMasterIdLst>
+  <p:notesMasterIdLst>
+    <p:notesMasterId r:id="rId5"/>
+  </p:notesMasterIdLst>
   <p:sldIdLst>
     <p:sldId id="256" r:id="rId2"/>
     <p:sldId id="257" r:id="rId3"/>
+    <p:sldId id="258" r:id="rId4"/>
   </p:sldIdLst>
   <p:sldSz cx="12192000" cy="11898313"/>
   <p:notesSz cx="6858000" cy="9144000"/>
@@ -113,6 +117,439 @@
 </p:presentation>
 </file>
 
+<file path=ppt/notesMasters/notesMaster1.xml><?xml version="1.0" encoding="utf-8"?>
+<p:notesMaster xmlns:a="http://schemas.openxmlformats.org/drawingml/2006/main" xmlns:r="http://schemas.openxmlformats.org/officeDocument/2006/relationships" xmlns:p="http://schemas.openxmlformats.org/presentationml/2006/main">
+  <p:cSld>
+    <p:bg>
+      <p:bgRef idx="1001">
+        <a:schemeClr val="bg1"/>
+      </p:bgRef>
+    </p:bg>
+    <p:spTree>
+      <p:nvGrpSpPr>
+        <p:cNvPr id="1" name=""/>
+        <p:cNvGrpSpPr/>
+        <p:nvPr/>
+      </p:nvGrpSpPr>
+      <p:grpSpPr>
+        <a:xfrm>
+          <a:off x="0" y="0"/>
+          <a:ext cx="0" cy="0"/>
+          <a:chOff x="0" y="0"/>
+          <a:chExt cx="0" cy="0"/>
+        </a:xfrm>
+      </p:grpSpPr>
+      <p:sp>
+        <p:nvSpPr>
+          <p:cNvPr id="2" name="Header Placeholder 1"/>
+          <p:cNvSpPr>
+            <a:spLocks noGrp="1"/>
+          </p:cNvSpPr>
+          <p:nvPr>
+            <p:ph type="hdr" sz="quarter"/>
+          </p:nvPr>
+        </p:nvSpPr>
+        <p:spPr>
+          <a:xfrm>
+            <a:off x="0" y="0"/>
+            <a:ext cx="2971800" cy="458788"/>
+          </a:xfrm>
+          <a:prstGeom prst="rect">
+            <a:avLst/>
+          </a:prstGeom>
+        </p:spPr>
+        <p:txBody>
+          <a:bodyPr vert="horz" lIns="91440" tIns="45720" rIns="91440" bIns="45720" rtlCol="0"/>
+          <a:lstStyle>
+            <a:lvl1pPr algn="l">
+              <a:defRPr sz="1200"/>
+            </a:lvl1pPr>
+          </a:lstStyle>
+          <a:p>
+            <a:endParaRPr lang="en-US"/>
+          </a:p>
+        </p:txBody>
+      </p:sp>
+      <p:sp>
+        <p:nvSpPr>
+          <p:cNvPr id="3" name="Date Placeholder 2"/>
+          <p:cNvSpPr>
+            <a:spLocks noGrp="1"/>
+          </p:cNvSpPr>
+          <p:nvPr>
+            <p:ph type="dt" idx="1"/>
+          </p:nvPr>
+        </p:nvSpPr>
+        <p:spPr>
+          <a:xfrm>
+            <a:off x="3884613" y="0"/>
+            <a:ext cx="2971800" cy="458788"/>
+          </a:xfrm>
+          <a:prstGeom prst="rect">
+            <a:avLst/>
+          </a:prstGeom>
+        </p:spPr>
+        <p:txBody>
+          <a:bodyPr vert="horz" lIns="91440" tIns="45720" rIns="91440" bIns="45720" rtlCol="0"/>
+          <a:lstStyle>
+            <a:lvl1pPr algn="r">
+              <a:defRPr sz="1200"/>
+            </a:lvl1pPr>
+          </a:lstStyle>
+          <a:p>
+            <a:fld id="{3CCF9D45-BAE5-2444-B4A9-18EFA8B28771}" type="datetimeFigureOut">
+              <a:rPr lang="en-US" smtClean="0"/>
+              <a:t>7/24/25</a:t>
+            </a:fld>
+            <a:endParaRPr lang="en-US"/>
+          </a:p>
+        </p:txBody>
+      </p:sp>
+      <p:sp>
+        <p:nvSpPr>
+          <p:cNvPr id="4" name="Slide Image Placeholder 3"/>
+          <p:cNvSpPr>
+            <a:spLocks noGrp="1" noRot="1" noChangeAspect="1"/>
+          </p:cNvSpPr>
+          <p:nvPr>
+            <p:ph type="sldImg" idx="2"/>
+          </p:nvPr>
+        </p:nvSpPr>
+        <p:spPr>
+          <a:xfrm>
+            <a:off x="1847850" y="1143000"/>
+            <a:ext cx="3162300" cy="3086100"/>
+          </a:xfrm>
+          <a:prstGeom prst="rect">
+            <a:avLst/>
+          </a:prstGeom>
+          <a:noFill/>
+          <a:ln w="12700">
+            <a:solidFill>
+              <a:prstClr val="black"/>
+            </a:solidFill>
+          </a:ln>
+        </p:spPr>
+        <p:txBody>
+          <a:bodyPr vert="horz" lIns="91440" tIns="45720" rIns="91440" bIns="45720" rtlCol="0" anchor="ctr"/>
+          <a:lstStyle/>
+          <a:p>
+            <a:endParaRPr lang="en-US"/>
+          </a:p>
+        </p:txBody>
+      </p:sp>
+      <p:sp>
+        <p:nvSpPr>
+          <p:cNvPr id="5" name="Notes Placeholder 4"/>
+          <p:cNvSpPr>
+            <a:spLocks noGrp="1"/>
+          </p:cNvSpPr>
+          <p:nvPr>
+            <p:ph type="body" sz="quarter" idx="3"/>
+          </p:nvPr>
+        </p:nvSpPr>
+        <p:spPr>
+          <a:xfrm>
+            <a:off x="685800" y="4400550"/>
+            <a:ext cx="5486400" cy="3600450"/>
+          </a:xfrm>
+          <a:prstGeom prst="rect">
+            <a:avLst/>
+          </a:prstGeom>
+        </p:spPr>
+        <p:txBody>
+          <a:bodyPr vert="horz" lIns="91440" tIns="45720" rIns="91440" bIns="45720" rtlCol="0"/>
+          <a:lstStyle/>
+          <a:p>
+            <a:pPr lvl="0"/>
+            <a:r>
+              <a:rPr lang="en-US"/>
+              <a:t>Click to edit Master text styles</a:t>
+            </a:r>
+          </a:p>
+          <a:p>
+            <a:pPr lvl="1"/>
+            <a:r>
+              <a:rPr lang="en-US"/>
+              <a:t>Second level</a:t>
+            </a:r>
+          </a:p>
+          <a:p>
+            <a:pPr lvl="2"/>
+            <a:r>
+              <a:rPr lang="en-US"/>
+              <a:t>Third level</a:t>
+            </a:r>
+          </a:p>
+          <a:p>
+            <a:pPr lvl="3"/>
+            <a:r>
+              <a:rPr lang="en-US"/>
+              <a:t>Fourth level</a:t>
+            </a:r>
+          </a:p>
+          <a:p>
+            <a:pPr lvl="4"/>
+            <a:r>
+              <a:rPr lang="en-US"/>
+              <a:t>Fifth level</a:t>
+            </a:r>
+          </a:p>
+        </p:txBody>
+      </p:sp>
+      <p:sp>
+        <p:nvSpPr>
+          <p:cNvPr id="6" name="Footer Placeholder 5"/>
+          <p:cNvSpPr>
+            <a:spLocks noGrp="1"/>
+          </p:cNvSpPr>
+          <p:nvPr>
+            <p:ph type="ftr" sz="quarter" idx="4"/>
+          </p:nvPr>
+        </p:nvSpPr>
+        <p:spPr>
+          <a:xfrm>
+            <a:off x="0" y="8685213"/>
+            <a:ext cx="2971800" cy="458787"/>
+          </a:xfrm>
+          <a:prstGeom prst="rect">
+            <a:avLst/>
+          </a:prstGeom>
+        </p:spPr>
+        <p:txBody>
+          <a:bodyPr vert="horz" lIns="91440" tIns="45720" rIns="91440" bIns="45720" rtlCol="0" anchor="b"/>
+          <a:lstStyle>
+            <a:lvl1pPr algn="l">
+              <a:defRPr sz="1200"/>
+            </a:lvl1pPr>
+          </a:lstStyle>
+          <a:p>
+            <a:endParaRPr lang="en-US"/>
+          </a:p>
+        </p:txBody>
+      </p:sp>
+      <p:sp>
+        <p:nvSpPr>
+          <p:cNvPr id="7" name="Slide Number Placeholder 6"/>
+          <p:cNvSpPr>
+            <a:spLocks noGrp="1"/>
+          </p:cNvSpPr>
+          <p:nvPr>
+            <p:ph type="sldNum" sz="quarter" idx="5"/>
+          </p:nvPr>
+        </p:nvSpPr>
+        <p:spPr>
+          <a:xfrm>
+            <a:off x="3884613" y="8685213"/>
+            <a:ext cx="2971800" cy="458787"/>
+          </a:xfrm>
+          <a:prstGeom prst="rect">
+            <a:avLst/>
+          </a:prstGeom>
+        </p:spPr>
+        <p:txBody>
+          <a:bodyPr vert="horz" lIns="91440" tIns="45720" rIns="91440" bIns="45720" rtlCol="0" anchor="b"/>
+          <a:lstStyle>
+            <a:lvl1pPr algn="r">
+              <a:defRPr sz="1200"/>
+            </a:lvl1pPr>
+          </a:lstStyle>
+          <a:p>
+            <a:fld id="{61B40BDA-E8C1-5D46-8CE8-770660A38085}" type="slidenum">
+              <a:rPr lang="en-US" smtClean="0"/>
+              <a:t>‹#›</a:t>
+            </a:fld>
+            <a:endParaRPr lang="en-US"/>
+          </a:p>
+        </p:txBody>
+      </p:sp>
+    </p:spTree>
+    <p:extLst>
+      <p:ext uri="{BB962C8B-B14F-4D97-AF65-F5344CB8AC3E}">
+        <p14:creationId xmlns:p14="http://schemas.microsoft.com/office/powerpoint/2010/main" val="1575405386"/>
+      </p:ext>
+    </p:extLst>
+  </p:cSld>
+  <p:clrMap bg1="lt1" tx1="dk1" bg2="lt2" tx2="dk2" accent1="accent1" accent2="accent2" accent3="accent3" accent4="accent4" accent5="accent5" accent6="accent6" hlink="hlink" folHlink="folHlink"/>
+  <p:notesStyle>
+    <a:lvl1pPr marL="0" algn="l" defTabSz="914400" rtl="0" eaLnBrk="1" latinLnBrk="0" hangingPunct="1">
+      <a:defRPr sz="1200" kern="1200">
+        <a:solidFill>
+          <a:schemeClr val="tx1"/>
+        </a:solidFill>
+        <a:latin typeface="+mn-lt"/>
+        <a:ea typeface="+mn-ea"/>
+        <a:cs typeface="+mn-cs"/>
+      </a:defRPr>
+    </a:lvl1pPr>
+    <a:lvl2pPr marL="457200" algn="l" defTabSz="914400" rtl="0" eaLnBrk="1" latinLnBrk="0" hangingPunct="1">
+      <a:defRPr sz="1200" kern="1200">
+        <a:solidFill>
+          <a:schemeClr val="tx1"/>
+        </a:solidFill>
+        <a:latin typeface="+mn-lt"/>
+        <a:ea typeface="+mn-ea"/>
+        <a:cs typeface="+mn-cs"/>
+      </a:defRPr>
+    </a:lvl2pPr>
+    <a:lvl3pPr marL="914400" algn="l" defTabSz="914400" rtl="0" eaLnBrk="1" latinLnBrk="0" hangingPunct="1">
+      <a:defRPr sz="1200" kern="1200">
+        <a:solidFill>
+          <a:schemeClr val="tx1"/>
+        </a:solidFill>
+        <a:latin typeface="+mn-lt"/>
+        <a:ea typeface="+mn-ea"/>
+        <a:cs typeface="+mn-cs"/>
+      </a:defRPr>
+    </a:lvl3pPr>
+    <a:lvl4pPr marL="1371600" algn="l" defTabSz="914400" rtl="0" eaLnBrk="1" latinLnBrk="0" hangingPunct="1">
+      <a:defRPr sz="1200" kern="1200">
+        <a:solidFill>
+          <a:schemeClr val="tx1"/>
+        </a:solidFill>
+        <a:latin typeface="+mn-lt"/>
+        <a:ea typeface="+mn-ea"/>
+        <a:cs typeface="+mn-cs"/>
+      </a:defRPr>
+    </a:lvl4pPr>
+    <a:lvl5pPr marL="1828800" algn="l" defTabSz="914400" rtl="0" eaLnBrk="1" latinLnBrk="0" hangingPunct="1">
+      <a:defRPr sz="1200" kern="1200">
+        <a:solidFill>
+          <a:schemeClr val="tx1"/>
+        </a:solidFill>
+        <a:latin typeface="+mn-lt"/>
+        <a:ea typeface="+mn-ea"/>
+        <a:cs typeface="+mn-cs"/>
+      </a:defRPr>
+    </a:lvl5pPr>
+    <a:lvl6pPr marL="2286000" algn="l" defTabSz="914400" rtl="0" eaLnBrk="1" latinLnBrk="0" hangingPunct="1">
+      <a:defRPr sz="1200" kern="1200">
+        <a:solidFill>
+          <a:schemeClr val="tx1"/>
+        </a:solidFill>
+        <a:latin typeface="+mn-lt"/>
+        <a:ea typeface="+mn-ea"/>
+        <a:cs typeface="+mn-cs"/>
+      </a:defRPr>
+    </a:lvl6pPr>
+    <a:lvl7pPr marL="2743200" algn="l" defTabSz="914400" rtl="0" eaLnBrk="1" latinLnBrk="0" hangingPunct="1">
+      <a:defRPr sz="1200" kern="1200">
+        <a:solidFill>
+          <a:schemeClr val="tx1"/>
+        </a:solidFill>
+        <a:latin typeface="+mn-lt"/>
+        <a:ea typeface="+mn-ea"/>
+        <a:cs typeface="+mn-cs"/>
+      </a:defRPr>
+    </a:lvl7pPr>
+    <a:lvl8pPr marL="3200400" algn="l" defTabSz="914400" rtl="0" eaLnBrk="1" latinLnBrk="0" hangingPunct="1">
+      <a:defRPr sz="1200" kern="1200">
+        <a:solidFill>
+          <a:schemeClr val="tx1"/>
+        </a:solidFill>
+        <a:latin typeface="+mn-lt"/>
+        <a:ea typeface="+mn-ea"/>
+        <a:cs typeface="+mn-cs"/>
+      </a:defRPr>
+    </a:lvl8pPr>
+    <a:lvl9pPr marL="3657600" algn="l" defTabSz="914400" rtl="0" eaLnBrk="1" latinLnBrk="0" hangingPunct="1">
+      <a:defRPr sz="1200" kern="1200">
+        <a:solidFill>
+          <a:schemeClr val="tx1"/>
+        </a:solidFill>
+        <a:latin typeface="+mn-lt"/>
+        <a:ea typeface="+mn-ea"/>
+        <a:cs typeface="+mn-cs"/>
+      </a:defRPr>
+    </a:lvl9pPr>
+  </p:notesStyle>
+</p:notesMaster>
+</file>
+
+<file path=ppt/notesSlides/notesSlide1.xml><?xml version="1.0" encoding="utf-8"?>
+<p:notes xmlns:a="http://schemas.openxmlformats.org/drawingml/2006/main" xmlns:r="http://schemas.openxmlformats.org/officeDocument/2006/relationships" xmlns:p="http://schemas.openxmlformats.org/presentationml/2006/main">
+  <p:cSld>
+    <p:spTree>
+      <p:nvGrpSpPr>
+        <p:cNvPr id="1" name=""/>
+        <p:cNvGrpSpPr/>
+        <p:nvPr/>
+      </p:nvGrpSpPr>
+      <p:grpSpPr>
+        <a:xfrm>
+          <a:off x="0" y="0"/>
+          <a:ext cx="0" cy="0"/>
+          <a:chOff x="0" y="0"/>
+          <a:chExt cx="0" cy="0"/>
+        </a:xfrm>
+      </p:grpSpPr>
+      <p:sp>
+        <p:nvSpPr>
+          <p:cNvPr id="2" name="Slide Image Placeholder 1"/>
+          <p:cNvSpPr>
+            <a:spLocks noGrp="1" noRot="1" noChangeAspect="1"/>
+          </p:cNvSpPr>
+          <p:nvPr>
+            <p:ph type="sldImg"/>
+          </p:nvPr>
+        </p:nvSpPr>
+        <p:spPr/>
+      </p:sp>
+      <p:sp>
+        <p:nvSpPr>
+          <p:cNvPr id="3" name="Notes Placeholder 2"/>
+          <p:cNvSpPr>
+            <a:spLocks noGrp="1"/>
+          </p:cNvSpPr>
+          <p:nvPr>
+            <p:ph type="body" idx="1"/>
+          </p:nvPr>
+        </p:nvSpPr>
+        <p:spPr/>
+        <p:txBody>
+          <a:bodyPr/>
+          <a:lstStyle/>
+          <a:p>
+            <a:endParaRPr lang="en-US" dirty="0"/>
+          </a:p>
+        </p:txBody>
+      </p:sp>
+      <p:sp>
+        <p:nvSpPr>
+          <p:cNvPr id="4" name="Slide Number Placeholder 3"/>
+          <p:cNvSpPr>
+            <a:spLocks noGrp="1"/>
+          </p:cNvSpPr>
+          <p:nvPr>
+            <p:ph type="sldNum" sz="quarter" idx="5"/>
+          </p:nvPr>
+        </p:nvSpPr>
+        <p:spPr/>
+        <p:txBody>
+          <a:bodyPr/>
+          <a:lstStyle/>
+          <a:p>
+            <a:fld id="{61B40BDA-E8C1-5D46-8CE8-770660A38085}" type="slidenum">
+              <a:rPr lang="en-US" smtClean="0"/>
+              <a:t>3</a:t>
+            </a:fld>
+            <a:endParaRPr lang="en-US"/>
+          </a:p>
+        </p:txBody>
+      </p:sp>
+    </p:spTree>
+    <p:extLst>
+      <p:ext uri="{BB962C8B-B14F-4D97-AF65-F5344CB8AC3E}">
+        <p14:creationId xmlns:p14="http://schemas.microsoft.com/office/powerpoint/2010/main" val="674930640"/>
+      </p:ext>
+    </p:extLst>
+  </p:cSld>
+  <p:clrMapOvr>
+    <a:masterClrMapping/>
+  </p:clrMapOvr>
+</p:notes>
+</file>
+
 <file path=ppt/slideLayouts/slideLayout1.xml><?xml version="1.0" encoding="utf-8"?>
 <p:sldLayout xmlns:a="http://schemas.openxmlformats.org/drawingml/2006/main" xmlns:r="http://schemas.openxmlformats.org/officeDocument/2006/relationships" xmlns:p="http://schemas.openxmlformats.org/presentationml/2006/main" type="title" preserve="1">
   <p:cSld name="Title Slide">
@@ -244,7 +681,7 @@
           <a:p>
             <a:fld id="{F6F5C077-26A2-1C4D-A264-F91E44095E52}" type="datetimeFigureOut">
               <a:rPr lang="en-US" smtClean="0"/>
-              <a:t>6/22/25</a:t>
+              <a:t>7/24/25</a:t>
             </a:fld>
             <a:endParaRPr lang="en-US"/>
           </a:p>
@@ -414,7 +851,7 @@
           <a:p>
             <a:fld id="{F6F5C077-26A2-1C4D-A264-F91E44095E52}" type="datetimeFigureOut">
               <a:rPr lang="en-US" smtClean="0"/>
-              <a:t>6/22/25</a:t>
+              <a:t>7/24/25</a:t>
             </a:fld>
             <a:endParaRPr lang="en-US"/>
           </a:p>
@@ -594,7 +1031,7 @@
           <a:p>
             <a:fld id="{F6F5C077-26A2-1C4D-A264-F91E44095E52}" type="datetimeFigureOut">
               <a:rPr lang="en-US" smtClean="0"/>
-              <a:t>6/22/25</a:t>
+              <a:t>7/24/25</a:t>
             </a:fld>
             <a:endParaRPr lang="en-US"/>
           </a:p>
@@ -764,7 +1201,7 @@
           <a:p>
             <a:fld id="{F6F5C077-26A2-1C4D-A264-F91E44095E52}" type="datetimeFigureOut">
               <a:rPr lang="en-US" smtClean="0"/>
-              <a:t>6/22/25</a:t>
+              <a:t>7/24/25</a:t>
             </a:fld>
             <a:endParaRPr lang="en-US"/>
           </a:p>
@@ -1010,7 +1447,7 @@
           <a:p>
             <a:fld id="{F6F5C077-26A2-1C4D-A264-F91E44095E52}" type="datetimeFigureOut">
               <a:rPr lang="en-US" smtClean="0"/>
-              <a:t>6/22/25</a:t>
+              <a:t>7/24/25</a:t>
             </a:fld>
             <a:endParaRPr lang="en-US"/>
           </a:p>
@@ -1242,7 +1679,7 @@
           <a:p>
             <a:fld id="{F6F5C077-26A2-1C4D-A264-F91E44095E52}" type="datetimeFigureOut">
               <a:rPr lang="en-US" smtClean="0"/>
-              <a:t>6/22/25</a:t>
+              <a:t>7/24/25</a:t>
             </a:fld>
             <a:endParaRPr lang="en-US"/>
           </a:p>
@@ -1609,7 +2046,7 @@
           <a:p>
             <a:fld id="{F6F5C077-26A2-1C4D-A264-F91E44095E52}" type="datetimeFigureOut">
               <a:rPr lang="en-US" smtClean="0"/>
-              <a:t>6/22/25</a:t>
+              <a:t>7/24/25</a:t>
             </a:fld>
             <a:endParaRPr lang="en-US"/>
           </a:p>
@@ -1727,7 +2164,7 @@
           <a:p>
             <a:fld id="{F6F5C077-26A2-1C4D-A264-F91E44095E52}" type="datetimeFigureOut">
               <a:rPr lang="en-US" smtClean="0"/>
-              <a:t>6/22/25</a:t>
+              <a:t>7/24/25</a:t>
             </a:fld>
             <a:endParaRPr lang="en-US"/>
           </a:p>
@@ -1822,7 +2259,7 @@
           <a:p>
             <a:fld id="{F6F5C077-26A2-1C4D-A264-F91E44095E52}" type="datetimeFigureOut">
               <a:rPr lang="en-US" smtClean="0"/>
-              <a:t>6/22/25</a:t>
+              <a:t>7/24/25</a:t>
             </a:fld>
             <a:endParaRPr lang="en-US"/>
           </a:p>
@@ -2099,7 +2536,7 @@
           <a:p>
             <a:fld id="{F6F5C077-26A2-1C4D-A264-F91E44095E52}" type="datetimeFigureOut">
               <a:rPr lang="en-US" smtClean="0"/>
-              <a:t>6/22/25</a:t>
+              <a:t>7/24/25</a:t>
             </a:fld>
             <a:endParaRPr lang="en-US"/>
           </a:p>
@@ -2356,7 +2793,7 @@
           <a:p>
             <a:fld id="{F6F5C077-26A2-1C4D-A264-F91E44095E52}" type="datetimeFigureOut">
               <a:rPr lang="en-US" smtClean="0"/>
-              <a:t>6/22/25</a:t>
+              <a:t>7/24/25</a:t>
             </a:fld>
             <a:endParaRPr lang="en-US"/>
           </a:p>
@@ -2569,7 +3006,7 @@
           <a:p>
             <a:fld id="{F6F5C077-26A2-1C4D-A264-F91E44095E52}" type="datetimeFigureOut">
               <a:rPr lang="en-US" smtClean="0"/>
-              <a:t>6/22/25</a:t>
+              <a:t>7/24/25</a:t>
             </a:fld>
             <a:endParaRPr lang="en-US"/>
           </a:p>
@@ -3415,6 +3852,308 @@
 </p:sld>
 </file>
 
+<file path=ppt/slides/slide3.xml><?xml version="1.0" encoding="utf-8"?>
+<p:sld xmlns:a="http://schemas.openxmlformats.org/drawingml/2006/main" xmlns:r="http://schemas.openxmlformats.org/officeDocument/2006/relationships" xmlns:p="http://schemas.openxmlformats.org/presentationml/2006/main">
+  <p:cSld>
+    <p:spTree>
+      <p:nvGrpSpPr>
+        <p:cNvPr id="1" name="">
+          <a:extLst>
+            <a:ext uri="{FF2B5EF4-FFF2-40B4-BE49-F238E27FC236}">
+              <a16:creationId xmlns:a16="http://schemas.microsoft.com/office/drawing/2014/main" id="{71E2F9F6-5E8B-8B66-516B-2D74C8D5BBF5}"/>
+            </a:ext>
+          </a:extLst>
+        </p:cNvPr>
+        <p:cNvGrpSpPr/>
+        <p:nvPr/>
+      </p:nvGrpSpPr>
+      <p:grpSpPr>
+        <a:xfrm>
+          <a:off x="0" y="0"/>
+          <a:ext cx="0" cy="0"/>
+          <a:chOff x="0" y="0"/>
+          <a:chExt cx="0" cy="0"/>
+        </a:xfrm>
+      </p:grpSpPr>
+      <p:pic>
+        <p:nvPicPr>
+          <p:cNvPr id="5" name="Picture 4" descr="A diagram of a diagram&#10;&#10;AI-generated content may be incorrect.">
+            <a:extLst>
+              <a:ext uri="{FF2B5EF4-FFF2-40B4-BE49-F238E27FC236}">
+                <a16:creationId xmlns:a16="http://schemas.microsoft.com/office/drawing/2014/main" id="{069B2970-1B30-DCCB-BEC5-A85C6606E45A}"/>
+              </a:ext>
+            </a:extLst>
+          </p:cNvPr>
+          <p:cNvPicPr>
+            <a:picLocks noChangeAspect="1"/>
+          </p:cNvPicPr>
+          <p:nvPr/>
+        </p:nvPicPr>
+        <p:blipFill>
+          <a:blip r:embed="rId3"/>
+          <a:stretch>
+            <a:fillRect/>
+          </a:stretch>
+        </p:blipFill>
+        <p:spPr>
+          <a:xfrm>
+            <a:off x="3574262" y="222256"/>
+            <a:ext cx="4476185" cy="3087025"/>
+          </a:xfrm>
+          <a:prstGeom prst="rect">
+            <a:avLst/>
+          </a:prstGeom>
+        </p:spPr>
+      </p:pic>
+      <p:pic>
+        <p:nvPicPr>
+          <p:cNvPr id="7" name="Picture 6">
+            <a:extLst>
+              <a:ext uri="{FF2B5EF4-FFF2-40B4-BE49-F238E27FC236}">
+                <a16:creationId xmlns:a16="http://schemas.microsoft.com/office/drawing/2014/main" id="{FCB5212A-1A84-433E-FDA3-3F7B73B21A3B}"/>
+              </a:ext>
+            </a:extLst>
+          </p:cNvPr>
+          <p:cNvPicPr>
+            <a:picLocks noChangeAspect="1"/>
+          </p:cNvPicPr>
+          <p:nvPr/>
+        </p:nvPicPr>
+        <p:blipFill>
+          <a:blip r:embed="rId4"/>
+          <a:srcRect t="15574" b="19291"/>
+          <a:stretch/>
+        </p:blipFill>
+        <p:spPr>
+          <a:xfrm>
+            <a:off x="130806" y="3597269"/>
+            <a:ext cx="12010234" cy="4346575"/>
+          </a:xfrm>
+          <a:prstGeom prst="rect">
+            <a:avLst/>
+          </a:prstGeom>
+        </p:spPr>
+      </p:pic>
+      <p:pic>
+        <p:nvPicPr>
+          <p:cNvPr id="9" name="Picture 8">
+            <a:extLst>
+              <a:ext uri="{FF2B5EF4-FFF2-40B4-BE49-F238E27FC236}">
+                <a16:creationId xmlns:a16="http://schemas.microsoft.com/office/drawing/2014/main" id="{C9C42472-9A42-CD33-710A-CE61FB5D86CB}"/>
+              </a:ext>
+            </a:extLst>
+          </p:cNvPr>
+          <p:cNvPicPr>
+            <a:picLocks noChangeAspect="1"/>
+          </p:cNvPicPr>
+          <p:nvPr/>
+        </p:nvPicPr>
+        <p:blipFill>
+          <a:blip r:embed="rId5"/>
+          <a:srcRect t="23626" b="20711"/>
+          <a:stretch/>
+        </p:blipFill>
+        <p:spPr>
+          <a:xfrm>
+            <a:off x="60290" y="8211862"/>
+            <a:ext cx="12048453" cy="3617960"/>
+          </a:xfrm>
+          <a:prstGeom prst="rect">
+            <a:avLst/>
+          </a:prstGeom>
+        </p:spPr>
+      </p:pic>
+      <p:sp>
+        <p:nvSpPr>
+          <p:cNvPr id="10" name="TextBox 9">
+            <a:extLst>
+              <a:ext uri="{FF2B5EF4-FFF2-40B4-BE49-F238E27FC236}">
+                <a16:creationId xmlns:a16="http://schemas.microsoft.com/office/drawing/2014/main" id="{60EE543B-710B-0FC9-7571-8D8A81AC30C0}"/>
+              </a:ext>
+            </a:extLst>
+          </p:cNvPr>
+          <p:cNvSpPr txBox="1"/>
+          <p:nvPr/>
+        </p:nvSpPr>
+        <p:spPr>
+          <a:xfrm>
+            <a:off x="656747" y="304342"/>
+            <a:ext cx="731520" cy="461665"/>
+          </a:xfrm>
+          <a:prstGeom prst="rect">
+            <a:avLst/>
+          </a:prstGeom>
+          <a:noFill/>
+        </p:spPr>
+        <p:txBody>
+          <a:bodyPr wrap="square" rtlCol="0">
+            <a:spAutoFit/>
+          </a:bodyPr>
+          <a:lstStyle/>
+          <a:p>
+            <a:r>
+              <a:rPr lang="en-US" sz="2400" b="1" dirty="0"/>
+              <a:t>A</a:t>
+            </a:r>
+            <a:endParaRPr lang="en-US" b="1" dirty="0"/>
+          </a:p>
+        </p:txBody>
+      </p:sp>
+      <p:sp>
+        <p:nvSpPr>
+          <p:cNvPr id="11" name="TextBox 10">
+            <a:extLst>
+              <a:ext uri="{FF2B5EF4-FFF2-40B4-BE49-F238E27FC236}">
+                <a16:creationId xmlns:a16="http://schemas.microsoft.com/office/drawing/2014/main" id="{2D1D606B-42BD-0A46-F86F-0248ECB165DD}"/>
+              </a:ext>
+            </a:extLst>
+          </p:cNvPr>
+          <p:cNvSpPr txBox="1"/>
+          <p:nvPr/>
+        </p:nvSpPr>
+        <p:spPr>
+          <a:xfrm>
+            <a:off x="656747" y="3682996"/>
+            <a:ext cx="731520" cy="461665"/>
+          </a:xfrm>
+          <a:prstGeom prst="rect">
+            <a:avLst/>
+          </a:prstGeom>
+          <a:noFill/>
+        </p:spPr>
+        <p:txBody>
+          <a:bodyPr wrap="square" rtlCol="0">
+            <a:spAutoFit/>
+          </a:bodyPr>
+          <a:lstStyle/>
+          <a:p>
+            <a:r>
+              <a:rPr lang="en-US" sz="2400" b="1" dirty="0"/>
+              <a:t>B</a:t>
+            </a:r>
+            <a:endParaRPr lang="en-US" b="1" dirty="0"/>
+          </a:p>
+        </p:txBody>
+      </p:sp>
+      <p:sp>
+        <p:nvSpPr>
+          <p:cNvPr id="12" name="TextBox 11">
+            <a:extLst>
+              <a:ext uri="{FF2B5EF4-FFF2-40B4-BE49-F238E27FC236}">
+                <a16:creationId xmlns:a16="http://schemas.microsoft.com/office/drawing/2014/main" id="{D2C5CF32-EE36-BF48-0083-68819F20AF3E}"/>
+              </a:ext>
+            </a:extLst>
+          </p:cNvPr>
+          <p:cNvSpPr txBox="1"/>
+          <p:nvPr/>
+        </p:nvSpPr>
+        <p:spPr>
+          <a:xfrm>
+            <a:off x="656747" y="7737633"/>
+            <a:ext cx="731520" cy="461665"/>
+          </a:xfrm>
+          <a:prstGeom prst="rect">
+            <a:avLst/>
+          </a:prstGeom>
+          <a:noFill/>
+        </p:spPr>
+        <p:txBody>
+          <a:bodyPr wrap="square" rtlCol="0">
+            <a:spAutoFit/>
+          </a:bodyPr>
+          <a:lstStyle/>
+          <a:p>
+            <a:r>
+              <a:rPr lang="en-US" sz="2400" b="1" dirty="0"/>
+              <a:t>C</a:t>
+            </a:r>
+            <a:endParaRPr lang="en-US" b="1" dirty="0"/>
+          </a:p>
+        </p:txBody>
+      </p:sp>
+      <p:sp>
+        <p:nvSpPr>
+          <p:cNvPr id="2" name="TextBox 1">
+            <a:extLst>
+              <a:ext uri="{FF2B5EF4-FFF2-40B4-BE49-F238E27FC236}">
+                <a16:creationId xmlns:a16="http://schemas.microsoft.com/office/drawing/2014/main" id="{99F8C36A-01C8-EA51-3107-5613A762D777}"/>
+              </a:ext>
+            </a:extLst>
+          </p:cNvPr>
+          <p:cNvSpPr txBox="1"/>
+          <p:nvPr/>
+        </p:nvSpPr>
+        <p:spPr>
+          <a:xfrm>
+            <a:off x="4221398" y="3729162"/>
+            <a:ext cx="3829049" cy="369332"/>
+          </a:xfrm>
+          <a:prstGeom prst="rect">
+            <a:avLst/>
+          </a:prstGeom>
+          <a:noFill/>
+        </p:spPr>
+        <p:txBody>
+          <a:bodyPr wrap="square" rtlCol="0">
+            <a:spAutoFit/>
+          </a:bodyPr>
+          <a:lstStyle/>
+          <a:p>
+            <a:r>
+              <a:rPr lang="en-US" b="1" dirty="0"/>
+              <a:t>Inter-process thermal asymmetry</a:t>
+            </a:r>
+          </a:p>
+        </p:txBody>
+      </p:sp>
+      <p:sp>
+        <p:nvSpPr>
+          <p:cNvPr id="3" name="TextBox 2">
+            <a:extLst>
+              <a:ext uri="{FF2B5EF4-FFF2-40B4-BE49-F238E27FC236}">
+                <a16:creationId xmlns:a16="http://schemas.microsoft.com/office/drawing/2014/main" id="{46F38432-D3AB-CE09-C6BB-82149A0512E6}"/>
+              </a:ext>
+            </a:extLst>
+          </p:cNvPr>
+          <p:cNvSpPr txBox="1"/>
+          <p:nvPr/>
+        </p:nvSpPr>
+        <p:spPr>
+          <a:xfrm>
+            <a:off x="4221398" y="7802254"/>
+            <a:ext cx="3829049" cy="369332"/>
+          </a:xfrm>
+          <a:prstGeom prst="rect">
+            <a:avLst/>
+          </a:prstGeom>
+          <a:noFill/>
+        </p:spPr>
+        <p:txBody>
+          <a:bodyPr wrap="square" rtlCol="0">
+            <a:spAutoFit/>
+          </a:bodyPr>
+          <a:lstStyle/>
+          <a:p>
+            <a:r>
+              <a:rPr lang="en-US" b="1" dirty="0"/>
+              <a:t>Intra-process thermal asymmetry</a:t>
+            </a:r>
+          </a:p>
+        </p:txBody>
+      </p:sp>
+    </p:spTree>
+    <p:extLst>
+      <p:ext uri="{BB962C8B-B14F-4D97-AF65-F5344CB8AC3E}">
+        <p14:creationId xmlns:p14="http://schemas.microsoft.com/office/powerpoint/2010/main" val="2890457097"/>
+      </p:ext>
+    </p:extLst>
+  </p:cSld>
+  <p:clrMapOvr>
+    <a:masterClrMapping/>
+  </p:clrMapOvr>
+</p:sld>
+</file>
+
 <file path=ppt/theme/theme1.xml><?xml version="1.0" encoding="utf-8"?>
 <a:theme xmlns:a="http://schemas.openxmlformats.org/drawingml/2006/main" name="Office Theme">
   <a:themeElements>
@@ -3728,4 +4467,319 @@
     </a:ext>
   </a:extLst>
 </a:theme>
+</file>
+
+<file path=ppt/theme/theme2.xml><?xml version="1.0" encoding="utf-8"?>
+<a:theme xmlns:a="http://schemas.openxmlformats.org/drawingml/2006/main" name="Office Theme">
+  <a:themeElements>
+    <a:clrScheme name="Office">
+      <a:dk1>
+        <a:sysClr val="windowText" lastClr="000000"/>
+      </a:dk1>
+      <a:lt1>
+        <a:sysClr val="window" lastClr="FFFFFF"/>
+      </a:lt1>
+      <a:dk2>
+        <a:srgbClr val="0E2841"/>
+      </a:dk2>
+      <a:lt2>
+        <a:srgbClr val="E8E8E8"/>
+      </a:lt2>
+      <a:accent1>
+        <a:srgbClr val="156082"/>
+      </a:accent1>
+      <a:accent2>
+        <a:srgbClr val="E97132"/>
+      </a:accent2>
+      <a:accent3>
+        <a:srgbClr val="196B24"/>
+      </a:accent3>
+      <a:accent4>
+        <a:srgbClr val="0F9ED5"/>
+      </a:accent4>
+      <a:accent5>
+        <a:srgbClr val="A02B93"/>
+      </a:accent5>
+      <a:accent6>
+        <a:srgbClr val="4EA72E"/>
+      </a:accent6>
+      <a:hlink>
+        <a:srgbClr val="467886"/>
+      </a:hlink>
+      <a:folHlink>
+        <a:srgbClr val="96607D"/>
+      </a:folHlink>
+    </a:clrScheme>
+    <a:fontScheme name="Office">
+      <a:majorFont>
+        <a:latin typeface="Aptos Display" panose="02110004020202020204"/>
+        <a:ea typeface=""/>
+        <a:cs typeface=""/>
+        <a:font script="Jpan" typeface="游ゴシック Light"/>
+        <a:font script="Hang" typeface="맑은 고딕"/>
+        <a:font script="Hans" typeface="等线 Light"/>
+        <a:font script="Hant" typeface="新細明體"/>
+        <a:font script="Arab" typeface="Times New Roman"/>
+        <a:font script="Hebr" typeface="Times New Roman"/>
+        <a:font script="Thai" typeface="Angsana New"/>
+        <a:font script="Ethi" typeface="Nyala"/>
+        <a:font script="Beng" typeface="Vrinda"/>
+        <a:font script="Gujr" typeface="Shruti"/>
+        <a:font script="Khmr" typeface="MoolBoran"/>
+        <a:font script="Knda" typeface="Tunga"/>
+        <a:font script="Guru" typeface="Raavi"/>
+        <a:font script="Cans" typeface="Euphemia"/>
+        <a:font script="Cher" typeface="Plantagenet Cherokee"/>
+        <a:font script="Yiii" typeface="Microsoft Yi Baiti"/>
+        <a:font script="Tibt" typeface="Microsoft Himalaya"/>
+        <a:font script="Thaa" typeface="MV Boli"/>
+        <a:font script="Deva" typeface="Mangal"/>
+        <a:font script="Telu" typeface="Gautami"/>
+        <a:font script="Taml" typeface="Latha"/>
+        <a:font script="Syrc" typeface="Estrangelo Edessa"/>
+        <a:font script="Orya" typeface="Kalinga"/>
+        <a:font script="Mlym" typeface="Kartika"/>
+        <a:font script="Laoo" typeface="DokChampa"/>
+        <a:font script="Sinh" typeface="Iskoola Pota"/>
+        <a:font script="Mong" typeface="Mongolian Baiti"/>
+        <a:font script="Viet" typeface="Times New Roman"/>
+        <a:font script="Uigh" typeface="Microsoft Uighur"/>
+        <a:font script="Geor" typeface="Sylfaen"/>
+        <a:font script="Armn" typeface="Arial"/>
+        <a:font script="Bugi" typeface="Leelawadee UI"/>
+        <a:font script="Bopo" typeface="Microsoft JhengHei"/>
+        <a:font script="Java" typeface="Javanese Text"/>
+        <a:font script="Lisu" typeface="Segoe UI"/>
+        <a:font script="Mymr" typeface="Myanmar Text"/>
+        <a:font script="Nkoo" typeface="Ebrima"/>
+        <a:font script="Olck" typeface="Nirmala UI"/>
+        <a:font script="Osma" typeface="Ebrima"/>
+        <a:font script="Phag" typeface="Phagspa"/>
+        <a:font script="Syrn" typeface="Estrangelo Edessa"/>
+        <a:font script="Syrj" typeface="Estrangelo Edessa"/>
+        <a:font script="Syre" typeface="Estrangelo Edessa"/>
+        <a:font script="Sora" typeface="Nirmala UI"/>
+        <a:font script="Tale" typeface="Microsoft Tai Le"/>
+        <a:font script="Talu" typeface="Microsoft New Tai Lue"/>
+        <a:font script="Tfng" typeface="Ebrima"/>
+      </a:majorFont>
+      <a:minorFont>
+        <a:latin typeface="Aptos" panose="02110004020202020204"/>
+        <a:ea typeface=""/>
+        <a:cs typeface=""/>
+        <a:font script="Jpan" typeface="游ゴシック"/>
+        <a:font script="Hang" typeface="맑은 고딕"/>
+        <a:font script="Hans" typeface="等线"/>
+        <a:font script="Hant" typeface="新細明體"/>
+        <a:font script="Arab" typeface="Arial"/>
+        <a:font script="Hebr" typeface="Arial"/>
+        <a:font script="Thai" typeface="Cordia New"/>
+        <a:font script="Ethi" typeface="Nyala"/>
+        <a:font script="Beng" typeface="Vrinda"/>
+        <a:font script="Gujr" typeface="Shruti"/>
+        <a:font script="Khmr" typeface="DaunPenh"/>
+        <a:font script="Knda" typeface="Tunga"/>
+        <a:font script="Guru" typeface="Raavi"/>
+        <a:font script="Cans" typeface="Euphemia"/>
+        <a:font script="Cher" typeface="Plantagenet Cherokee"/>
+        <a:font script="Yiii" typeface="Microsoft Yi Baiti"/>
+        <a:font script="Tibt" typeface="Microsoft Himalaya"/>
+        <a:font script="Thaa" typeface="MV Boli"/>
+        <a:font script="Deva" typeface="Mangal"/>
+        <a:font script="Telu" typeface="Gautami"/>
+        <a:font script="Taml" typeface="Latha"/>
+        <a:font script="Syrc" typeface="Estrangelo Edessa"/>
+        <a:font script="Orya" typeface="Kalinga"/>
+        <a:font script="Mlym" typeface="Kartika"/>
+        <a:font script="Laoo" typeface="DokChampa"/>
+        <a:font script="Sinh" typeface="Iskoola Pota"/>
+        <a:font script="Mong" typeface="Mongolian Baiti"/>
+        <a:font script="Viet" typeface="Arial"/>
+        <a:font script="Uigh" typeface="Microsoft Uighur"/>
+        <a:font script="Geor" typeface="Sylfaen"/>
+        <a:font script="Armn" typeface="Arial"/>
+        <a:font script="Bugi" typeface="Leelawadee UI"/>
+        <a:font script="Bopo" typeface="Microsoft JhengHei"/>
+        <a:font script="Java" typeface="Javanese Text"/>
+        <a:font script="Lisu" typeface="Segoe UI"/>
+        <a:font script="Mymr" typeface="Myanmar Text"/>
+        <a:font script="Nkoo" typeface="Ebrima"/>
+        <a:font script="Olck" typeface="Nirmala UI"/>
+        <a:font script="Osma" typeface="Ebrima"/>
+        <a:font script="Phag" typeface="Phagspa"/>
+        <a:font script="Syrn" typeface="Estrangelo Edessa"/>
+        <a:font script="Syrj" typeface="Estrangelo Edessa"/>
+        <a:font script="Syre" typeface="Estrangelo Edessa"/>
+        <a:font script="Sora" typeface="Nirmala UI"/>
+        <a:font script="Tale" typeface="Microsoft Tai Le"/>
+        <a:font script="Talu" typeface="Microsoft New Tai Lue"/>
+        <a:font script="Tfng" typeface="Ebrima"/>
+      </a:minorFont>
+    </a:fontScheme>
+    <a:fmtScheme name="Office">
+      <a:fillStyleLst>
+        <a:solidFill>
+          <a:schemeClr val="phClr"/>
+        </a:solidFill>
+        <a:gradFill rotWithShape="1">
+          <a:gsLst>
+            <a:gs pos="0">
+              <a:schemeClr val="phClr">
+                <a:lumMod val="110000"/>
+                <a:satMod val="105000"/>
+                <a:tint val="67000"/>
+              </a:schemeClr>
+            </a:gs>
+            <a:gs pos="50000">
+              <a:schemeClr val="phClr">
+                <a:lumMod val="105000"/>
+                <a:satMod val="103000"/>
+                <a:tint val="73000"/>
+              </a:schemeClr>
+            </a:gs>
+            <a:gs pos="100000">
+              <a:schemeClr val="phClr">
+                <a:lumMod val="105000"/>
+                <a:satMod val="109000"/>
+                <a:tint val="81000"/>
+              </a:schemeClr>
+            </a:gs>
+          </a:gsLst>
+          <a:lin ang="5400000" scaled="0"/>
+        </a:gradFill>
+        <a:gradFill rotWithShape="1">
+          <a:gsLst>
+            <a:gs pos="0">
+              <a:schemeClr val="phClr">
+                <a:satMod val="103000"/>
+                <a:lumMod val="102000"/>
+                <a:tint val="94000"/>
+              </a:schemeClr>
+            </a:gs>
+            <a:gs pos="50000">
+              <a:schemeClr val="phClr">
+                <a:satMod val="110000"/>
+                <a:lumMod val="100000"/>
+                <a:shade val="100000"/>
+              </a:schemeClr>
+            </a:gs>
+            <a:gs pos="100000">
+              <a:schemeClr val="phClr">
+                <a:lumMod val="99000"/>
+                <a:satMod val="120000"/>
+                <a:shade val="78000"/>
+              </a:schemeClr>
+            </a:gs>
+          </a:gsLst>
+          <a:lin ang="5400000" scaled="0"/>
+        </a:gradFill>
+      </a:fillStyleLst>
+      <a:lnStyleLst>
+        <a:ln w="12700" cap="flat" cmpd="sng" algn="ctr">
+          <a:solidFill>
+            <a:schemeClr val="phClr"/>
+          </a:solidFill>
+          <a:prstDash val="solid"/>
+          <a:miter lim="800000"/>
+        </a:ln>
+        <a:ln w="19050" cap="flat" cmpd="sng" algn="ctr">
+          <a:solidFill>
+            <a:schemeClr val="phClr"/>
+          </a:solidFill>
+          <a:prstDash val="solid"/>
+          <a:miter lim="800000"/>
+        </a:ln>
+        <a:ln w="25400" cap="flat" cmpd="sng" algn="ctr">
+          <a:solidFill>
+            <a:schemeClr val="phClr"/>
+          </a:solidFill>
+          <a:prstDash val="solid"/>
+          <a:miter lim="800000"/>
+        </a:ln>
+      </a:lnStyleLst>
+      <a:effectStyleLst>
+        <a:effectStyle>
+          <a:effectLst/>
+        </a:effectStyle>
+        <a:effectStyle>
+          <a:effectLst/>
+        </a:effectStyle>
+        <a:effectStyle>
+          <a:effectLst>
+            <a:outerShdw blurRad="57150" dist="19050" dir="5400000" algn="ctr" rotWithShape="0">
+              <a:srgbClr val="000000">
+                <a:alpha val="63000"/>
+              </a:srgbClr>
+            </a:outerShdw>
+          </a:effectLst>
+        </a:effectStyle>
+      </a:effectStyleLst>
+      <a:bgFillStyleLst>
+        <a:solidFill>
+          <a:schemeClr val="phClr"/>
+        </a:solidFill>
+        <a:solidFill>
+          <a:schemeClr val="phClr">
+            <a:tint val="95000"/>
+            <a:satMod val="170000"/>
+          </a:schemeClr>
+        </a:solidFill>
+        <a:gradFill rotWithShape="1">
+          <a:gsLst>
+            <a:gs pos="0">
+              <a:schemeClr val="phClr">
+                <a:tint val="93000"/>
+                <a:satMod val="150000"/>
+                <a:shade val="98000"/>
+                <a:lumMod val="102000"/>
+              </a:schemeClr>
+            </a:gs>
+            <a:gs pos="50000">
+              <a:schemeClr val="phClr">
+                <a:tint val="98000"/>
+                <a:satMod val="130000"/>
+                <a:shade val="90000"/>
+                <a:lumMod val="103000"/>
+              </a:schemeClr>
+            </a:gs>
+            <a:gs pos="100000">
+              <a:schemeClr val="phClr">
+                <a:shade val="63000"/>
+                <a:satMod val="120000"/>
+              </a:schemeClr>
+            </a:gs>
+          </a:gsLst>
+          <a:lin ang="5400000" scaled="0"/>
+        </a:gradFill>
+      </a:bgFillStyleLst>
+    </a:fmtScheme>
+  </a:themeElements>
+  <a:objectDefaults>
+    <a:lnDef>
+      <a:spPr/>
+      <a:bodyPr/>
+      <a:lstStyle/>
+      <a:style>
+        <a:lnRef idx="2">
+          <a:schemeClr val="accent1"/>
+        </a:lnRef>
+        <a:fillRef idx="0">
+          <a:schemeClr val="accent1"/>
+        </a:fillRef>
+        <a:effectRef idx="1">
+          <a:schemeClr val="accent1"/>
+        </a:effectRef>
+        <a:fontRef idx="minor">
+          <a:schemeClr val="tx1"/>
+        </a:fontRef>
+      </a:style>
+    </a:lnDef>
+  </a:objectDefaults>
+  <a:extraClrSchemeLst/>
+  <a:extLst>
+    <a:ext uri="{05A4C25C-085E-4340-85A3-A5531E510DB2}">
+      <thm15:themeFamily xmlns:thm15="http://schemas.microsoft.com/office/thememl/2012/main" name="Office Theme" id="{2E142A2C-CD16-42D6-873A-C26D2A0506FA}" vid="{1BDDFF52-6CD6-40A5-AB3C-68EB2F1E4D0A}"/>
+    </a:ext>
+  </a:extLst>
+</a:theme>
 </file>
--- a/figures/kd-figs/conceptual_threepanel.pptx
+++ b/figures/kd-figs/conceptual_threepanel.pptx
@@ -5,12 +5,13 @@
     <p:sldMasterId id="2147483660" r:id="rId1"/>
   </p:sldMasterIdLst>
   <p:notesMasterIdLst>
-    <p:notesMasterId r:id="rId5"/>
+    <p:notesMasterId r:id="rId6"/>
   </p:notesMasterIdLst>
   <p:sldIdLst>
     <p:sldId id="256" r:id="rId2"/>
     <p:sldId id="257" r:id="rId3"/>
     <p:sldId id="258" r:id="rId4"/>
+    <p:sldId id="260" r:id="rId5"/>
   </p:sldIdLst>
   <p:sldSz cx="12192000" cy="11898313"/>
   <p:notesSz cx="6858000" cy="9144000"/>
@@ -199,7 +200,7 @@
           <a:p>
             <a:fld id="{3CCF9D45-BAE5-2444-B4A9-18EFA8B28771}" type="datetimeFigureOut">
               <a:rPr lang="en-US" smtClean="0"/>
-              <a:t>7/24/25</a:t>
+              <a:t>8/23/25</a:t>
             </a:fld>
             <a:endParaRPr lang="en-US"/>
           </a:p>
@@ -550,6 +551,90 @@
 </p:notes>
 </file>
 
+<file path=ppt/notesSlides/notesSlide2.xml><?xml version="1.0" encoding="utf-8"?>
+<p:notes xmlns:a="http://schemas.openxmlformats.org/drawingml/2006/main" xmlns:r="http://schemas.openxmlformats.org/officeDocument/2006/relationships" xmlns:p="http://schemas.openxmlformats.org/presentationml/2006/main">
+  <p:cSld>
+    <p:spTree>
+      <p:nvGrpSpPr>
+        <p:cNvPr id="1" name=""/>
+        <p:cNvGrpSpPr/>
+        <p:nvPr/>
+      </p:nvGrpSpPr>
+      <p:grpSpPr>
+        <a:xfrm>
+          <a:off x="0" y="0"/>
+          <a:ext cx="0" cy="0"/>
+          <a:chOff x="0" y="0"/>
+          <a:chExt cx="0" cy="0"/>
+        </a:xfrm>
+      </p:grpSpPr>
+      <p:sp>
+        <p:nvSpPr>
+          <p:cNvPr id="2" name="Slide Image Placeholder 1"/>
+          <p:cNvSpPr>
+            <a:spLocks noGrp="1" noRot="1" noChangeAspect="1"/>
+          </p:cNvSpPr>
+          <p:nvPr>
+            <p:ph type="sldImg"/>
+          </p:nvPr>
+        </p:nvSpPr>
+        <p:spPr/>
+      </p:sp>
+      <p:sp>
+        <p:nvSpPr>
+          <p:cNvPr id="3" name="Notes Placeholder 2"/>
+          <p:cNvSpPr>
+            <a:spLocks noGrp="1"/>
+          </p:cNvSpPr>
+          <p:nvPr>
+            <p:ph type="body" idx="1"/>
+          </p:nvPr>
+        </p:nvSpPr>
+        <p:spPr/>
+        <p:txBody>
+          <a:bodyPr/>
+          <a:lstStyle/>
+          <a:p>
+            <a:endParaRPr lang="en-US" dirty="0"/>
+          </a:p>
+        </p:txBody>
+      </p:sp>
+      <p:sp>
+        <p:nvSpPr>
+          <p:cNvPr id="4" name="Slide Number Placeholder 3"/>
+          <p:cNvSpPr>
+            <a:spLocks noGrp="1"/>
+          </p:cNvSpPr>
+          <p:nvPr>
+            <p:ph type="sldNum" sz="quarter" idx="5"/>
+          </p:nvPr>
+        </p:nvSpPr>
+        <p:spPr/>
+        <p:txBody>
+          <a:bodyPr/>
+          <a:lstStyle/>
+          <a:p>
+            <a:fld id="{61B40BDA-E8C1-5D46-8CE8-770660A38085}" type="slidenum">
+              <a:rPr lang="en-US" smtClean="0"/>
+              <a:t>4</a:t>
+            </a:fld>
+            <a:endParaRPr lang="en-US"/>
+          </a:p>
+        </p:txBody>
+      </p:sp>
+    </p:spTree>
+    <p:extLst>
+      <p:ext uri="{BB962C8B-B14F-4D97-AF65-F5344CB8AC3E}">
+        <p14:creationId xmlns:p14="http://schemas.microsoft.com/office/powerpoint/2010/main" val="2430234964"/>
+      </p:ext>
+    </p:extLst>
+  </p:cSld>
+  <p:clrMapOvr>
+    <a:masterClrMapping/>
+  </p:clrMapOvr>
+</p:notes>
+</file>
+
 <file path=ppt/slideLayouts/slideLayout1.xml><?xml version="1.0" encoding="utf-8"?>
 <p:sldLayout xmlns:a="http://schemas.openxmlformats.org/drawingml/2006/main" xmlns:r="http://schemas.openxmlformats.org/officeDocument/2006/relationships" xmlns:p="http://schemas.openxmlformats.org/presentationml/2006/main" type="title" preserve="1">
   <p:cSld name="Title Slide">
@@ -681,7 +766,7 @@
           <a:p>
             <a:fld id="{F6F5C077-26A2-1C4D-A264-F91E44095E52}" type="datetimeFigureOut">
               <a:rPr lang="en-US" smtClean="0"/>
-              <a:t>7/24/25</a:t>
+              <a:t>8/23/25</a:t>
             </a:fld>
             <a:endParaRPr lang="en-US"/>
           </a:p>
@@ -851,7 +936,7 @@
           <a:p>
             <a:fld id="{F6F5C077-26A2-1C4D-A264-F91E44095E52}" type="datetimeFigureOut">
               <a:rPr lang="en-US" smtClean="0"/>
-              <a:t>7/24/25</a:t>
+              <a:t>8/23/25</a:t>
             </a:fld>
             <a:endParaRPr lang="en-US"/>
           </a:p>
@@ -1031,7 +1116,7 @@
           <a:p>
             <a:fld id="{F6F5C077-26A2-1C4D-A264-F91E44095E52}" type="datetimeFigureOut">
               <a:rPr lang="en-US" smtClean="0"/>
-              <a:t>7/24/25</a:t>
+              <a:t>8/23/25</a:t>
             </a:fld>
             <a:endParaRPr lang="en-US"/>
           </a:p>
@@ -1201,7 +1286,7 @@
           <a:p>
             <a:fld id="{F6F5C077-26A2-1C4D-A264-F91E44095E52}" type="datetimeFigureOut">
               <a:rPr lang="en-US" smtClean="0"/>
-              <a:t>7/24/25</a:t>
+              <a:t>8/23/25</a:t>
             </a:fld>
             <a:endParaRPr lang="en-US"/>
           </a:p>
@@ -1447,7 +1532,7 @@
           <a:p>
             <a:fld id="{F6F5C077-26A2-1C4D-A264-F91E44095E52}" type="datetimeFigureOut">
               <a:rPr lang="en-US" smtClean="0"/>
-              <a:t>7/24/25</a:t>
+              <a:t>8/23/25</a:t>
             </a:fld>
             <a:endParaRPr lang="en-US"/>
           </a:p>
@@ -1679,7 +1764,7 @@
           <a:p>
             <a:fld id="{F6F5C077-26A2-1C4D-A264-F91E44095E52}" type="datetimeFigureOut">
               <a:rPr lang="en-US" smtClean="0"/>
-              <a:t>7/24/25</a:t>
+              <a:t>8/23/25</a:t>
             </a:fld>
             <a:endParaRPr lang="en-US"/>
           </a:p>
@@ -2046,7 +2131,7 @@
           <a:p>
             <a:fld id="{F6F5C077-26A2-1C4D-A264-F91E44095E52}" type="datetimeFigureOut">
               <a:rPr lang="en-US" smtClean="0"/>
-              <a:t>7/24/25</a:t>
+              <a:t>8/23/25</a:t>
             </a:fld>
             <a:endParaRPr lang="en-US"/>
           </a:p>
@@ -2164,7 +2249,7 @@
           <a:p>
             <a:fld id="{F6F5C077-26A2-1C4D-A264-F91E44095E52}" type="datetimeFigureOut">
               <a:rPr lang="en-US" smtClean="0"/>
-              <a:t>7/24/25</a:t>
+              <a:t>8/23/25</a:t>
             </a:fld>
             <a:endParaRPr lang="en-US"/>
           </a:p>
@@ -2259,7 +2344,7 @@
           <a:p>
             <a:fld id="{F6F5C077-26A2-1C4D-A264-F91E44095E52}" type="datetimeFigureOut">
               <a:rPr lang="en-US" smtClean="0"/>
-              <a:t>7/24/25</a:t>
+              <a:t>8/23/25</a:t>
             </a:fld>
             <a:endParaRPr lang="en-US"/>
           </a:p>
@@ -2536,7 +2621,7 @@
           <a:p>
             <a:fld id="{F6F5C077-26A2-1C4D-A264-F91E44095E52}" type="datetimeFigureOut">
               <a:rPr lang="en-US" smtClean="0"/>
-              <a:t>7/24/25</a:t>
+              <a:t>8/23/25</a:t>
             </a:fld>
             <a:endParaRPr lang="en-US"/>
           </a:p>
@@ -2793,7 +2878,7 @@
           <a:p>
             <a:fld id="{F6F5C077-26A2-1C4D-A264-F91E44095E52}" type="datetimeFigureOut">
               <a:rPr lang="en-US" smtClean="0"/>
-              <a:t>7/24/25</a:t>
+              <a:t>8/23/25</a:t>
             </a:fld>
             <a:endParaRPr lang="en-US"/>
           </a:p>
@@ -3006,7 +3091,7 @@
           <a:p>
             <a:fld id="{F6F5C077-26A2-1C4D-A264-F91E44095E52}" type="datetimeFigureOut">
               <a:rPr lang="en-US" smtClean="0"/>
-              <a:t>7/24/25</a:t>
+              <a:t>8/23/25</a:t>
             </a:fld>
             <a:endParaRPr lang="en-US"/>
           </a:p>
@@ -3977,7 +4062,7 @@
         </p:nvSpPr>
         <p:spPr>
           <a:xfrm>
-            <a:off x="656747" y="304342"/>
+            <a:off x="656747" y="317789"/>
             <a:ext cx="731520" cy="461665"/>
           </a:xfrm>
           <a:prstGeom prst="rect">
@@ -4145,6 +4230,348 @@
     <p:extLst>
       <p:ext uri="{BB962C8B-B14F-4D97-AF65-F5344CB8AC3E}">
         <p14:creationId xmlns:p14="http://schemas.microsoft.com/office/powerpoint/2010/main" val="2890457097"/>
+      </p:ext>
+    </p:extLst>
+  </p:cSld>
+  <p:clrMapOvr>
+    <a:masterClrMapping/>
+  </p:clrMapOvr>
+</p:sld>
+</file>
+
+<file path=ppt/slides/slide4.xml><?xml version="1.0" encoding="utf-8"?>
+<p:sld xmlns:a="http://schemas.openxmlformats.org/drawingml/2006/main" xmlns:r="http://schemas.openxmlformats.org/officeDocument/2006/relationships" xmlns:p="http://schemas.openxmlformats.org/presentationml/2006/main">
+  <p:cSld>
+    <p:spTree>
+      <p:nvGrpSpPr>
+        <p:cNvPr id="1" name=""/>
+        <p:cNvGrpSpPr/>
+        <p:nvPr/>
+      </p:nvGrpSpPr>
+      <p:grpSpPr>
+        <a:xfrm>
+          <a:off x="0" y="0"/>
+          <a:ext cx="0" cy="0"/>
+          <a:chOff x="0" y="0"/>
+          <a:chExt cx="0" cy="0"/>
+        </a:xfrm>
+      </p:grpSpPr>
+      <p:pic>
+        <p:nvPicPr>
+          <p:cNvPr id="7" name="Picture 6">
+            <a:extLst>
+              <a:ext uri="{FF2B5EF4-FFF2-40B4-BE49-F238E27FC236}">
+                <a16:creationId xmlns:a16="http://schemas.microsoft.com/office/drawing/2014/main" id="{BA4AFF16-C21A-56E4-E871-50CA21C1EB66}"/>
+              </a:ext>
+            </a:extLst>
+          </p:cNvPr>
+          <p:cNvPicPr>
+            <a:picLocks noChangeAspect="1"/>
+          </p:cNvPicPr>
+          <p:nvPr/>
+        </p:nvPicPr>
+        <p:blipFill>
+          <a:blip r:embed="rId3"/>
+          <a:srcRect t="1955" b="1955"/>
+          <a:stretch/>
+        </p:blipFill>
+        <p:spPr>
+          <a:xfrm>
+            <a:off x="708024" y="3868494"/>
+            <a:ext cx="10268698" cy="3780213"/>
+          </a:xfrm>
+          <a:prstGeom prst="rect">
+            <a:avLst/>
+          </a:prstGeom>
+        </p:spPr>
+      </p:pic>
+      <p:pic>
+        <p:nvPicPr>
+          <p:cNvPr id="5" name="Picture 4" descr="A diagram of a diagram&#10;&#10;AI-generated content may be incorrect.">
+            <a:extLst>
+              <a:ext uri="{FF2B5EF4-FFF2-40B4-BE49-F238E27FC236}">
+                <a16:creationId xmlns:a16="http://schemas.microsoft.com/office/drawing/2014/main" id="{495CF1C1-AC4C-2168-65F6-DB86481B9EF9}"/>
+              </a:ext>
+            </a:extLst>
+          </p:cNvPr>
+          <p:cNvPicPr>
+            <a:picLocks noChangeAspect="1"/>
+          </p:cNvPicPr>
+          <p:nvPr/>
+        </p:nvPicPr>
+        <p:blipFill>
+          <a:blip r:embed="rId4"/>
+          <a:stretch>
+            <a:fillRect/>
+          </a:stretch>
+        </p:blipFill>
+        <p:spPr>
+          <a:xfrm>
+            <a:off x="3877048" y="0"/>
+            <a:ext cx="4437903" cy="3676249"/>
+          </a:xfrm>
+          <a:prstGeom prst="rect">
+            <a:avLst/>
+          </a:prstGeom>
+        </p:spPr>
+      </p:pic>
+      <p:pic>
+        <p:nvPicPr>
+          <p:cNvPr id="9" name="Picture 8">
+            <a:extLst>
+              <a:ext uri="{FF2B5EF4-FFF2-40B4-BE49-F238E27FC236}">
+                <a16:creationId xmlns:a16="http://schemas.microsoft.com/office/drawing/2014/main" id="{12A724A9-9527-DC4A-4002-4B988C032436}"/>
+              </a:ext>
+            </a:extLst>
+          </p:cNvPr>
+          <p:cNvPicPr>
+            <a:picLocks noChangeAspect="1"/>
+          </p:cNvPicPr>
+          <p:nvPr/>
+        </p:nvPicPr>
+        <p:blipFill>
+          <a:blip r:embed="rId5"/>
+          <a:srcRect l="37820" t="10010" r="31216" b="3470"/>
+          <a:stretch/>
+        </p:blipFill>
+        <p:spPr>
+          <a:xfrm>
+            <a:off x="4462180" y="8252352"/>
+            <a:ext cx="3310219" cy="3360868"/>
+          </a:xfrm>
+          <a:prstGeom prst="rect">
+            <a:avLst/>
+          </a:prstGeom>
+        </p:spPr>
+      </p:pic>
+      <p:pic>
+        <p:nvPicPr>
+          <p:cNvPr id="10" name="Picture 9" descr="A diagram of a heat exchanger&#10;&#10;AI-generated content may be incorrect.">
+            <a:extLst>
+              <a:ext uri="{FF2B5EF4-FFF2-40B4-BE49-F238E27FC236}">
+                <a16:creationId xmlns:a16="http://schemas.microsoft.com/office/drawing/2014/main" id="{9E07DF34-4520-ED93-0E7A-460134289C58}"/>
+              </a:ext>
+            </a:extLst>
+          </p:cNvPr>
+          <p:cNvPicPr>
+            <a:picLocks noChangeAspect="1"/>
+          </p:cNvPicPr>
+          <p:nvPr/>
+        </p:nvPicPr>
+        <p:blipFill>
+          <a:blip r:embed="rId6"/>
+          <a:srcRect t="8208" b="80712"/>
+          <a:stretch/>
+        </p:blipFill>
+        <p:spPr>
+          <a:xfrm>
+            <a:off x="1813110" y="7737633"/>
+            <a:ext cx="9639442" cy="490414"/>
+          </a:xfrm>
+          <a:prstGeom prst="rect">
+            <a:avLst/>
+          </a:prstGeom>
+        </p:spPr>
+      </p:pic>
+      <p:pic>
+        <p:nvPicPr>
+          <p:cNvPr id="11" name="Picture 10" descr="A diagram of a thermal asymmetrical system&#10;&#10;AI-generated content may be incorrect.">
+            <a:extLst>
+              <a:ext uri="{FF2B5EF4-FFF2-40B4-BE49-F238E27FC236}">
+                <a16:creationId xmlns:a16="http://schemas.microsoft.com/office/drawing/2014/main" id="{40C0615A-C10F-653C-44AD-7492E151D753}"/>
+              </a:ext>
+            </a:extLst>
+          </p:cNvPr>
+          <p:cNvPicPr>
+            <a:picLocks noChangeAspect="1"/>
+          </p:cNvPicPr>
+          <p:nvPr/>
+        </p:nvPicPr>
+        <p:blipFill>
+          <a:blip r:embed="rId7"/>
+          <a:srcRect t="7070" b="82932"/>
+          <a:stretch/>
+        </p:blipFill>
+        <p:spPr>
+          <a:xfrm>
+            <a:off x="1619250" y="3662804"/>
+            <a:ext cx="9460753" cy="470642"/>
+          </a:xfrm>
+          <a:prstGeom prst="rect">
+            <a:avLst/>
+          </a:prstGeom>
+        </p:spPr>
+      </p:pic>
+      <p:sp>
+        <p:nvSpPr>
+          <p:cNvPr id="16" name="TextBox 15">
+            <a:extLst>
+              <a:ext uri="{FF2B5EF4-FFF2-40B4-BE49-F238E27FC236}">
+                <a16:creationId xmlns:a16="http://schemas.microsoft.com/office/drawing/2014/main" id="{CD3BE94D-0585-8BAB-59C9-7C8771215925}"/>
+              </a:ext>
+            </a:extLst>
+          </p:cNvPr>
+          <p:cNvSpPr txBox="1"/>
+          <p:nvPr/>
+        </p:nvSpPr>
+        <p:spPr>
+          <a:xfrm>
+            <a:off x="656747" y="317789"/>
+            <a:ext cx="731520" cy="461665"/>
+          </a:xfrm>
+          <a:prstGeom prst="rect">
+            <a:avLst/>
+          </a:prstGeom>
+          <a:noFill/>
+        </p:spPr>
+        <p:txBody>
+          <a:bodyPr wrap="square" rtlCol="0">
+            <a:spAutoFit/>
+          </a:bodyPr>
+          <a:lstStyle/>
+          <a:p>
+            <a:r>
+              <a:rPr lang="en-US" sz="2400" b="1" dirty="0"/>
+              <a:t>A</a:t>
+            </a:r>
+            <a:endParaRPr lang="en-US" b="1" dirty="0"/>
+          </a:p>
+        </p:txBody>
+      </p:sp>
+      <p:sp>
+        <p:nvSpPr>
+          <p:cNvPr id="17" name="TextBox 16">
+            <a:extLst>
+              <a:ext uri="{FF2B5EF4-FFF2-40B4-BE49-F238E27FC236}">
+                <a16:creationId xmlns:a16="http://schemas.microsoft.com/office/drawing/2014/main" id="{26E09E64-3F52-D8BA-AEA5-D80E7E5E7F23}"/>
+              </a:ext>
+            </a:extLst>
+          </p:cNvPr>
+          <p:cNvSpPr txBox="1"/>
+          <p:nvPr/>
+        </p:nvSpPr>
+        <p:spPr>
+          <a:xfrm>
+            <a:off x="656747" y="3682996"/>
+            <a:ext cx="731520" cy="461665"/>
+          </a:xfrm>
+          <a:prstGeom prst="rect">
+            <a:avLst/>
+          </a:prstGeom>
+          <a:noFill/>
+        </p:spPr>
+        <p:txBody>
+          <a:bodyPr wrap="square" rtlCol="0">
+            <a:spAutoFit/>
+          </a:bodyPr>
+          <a:lstStyle/>
+          <a:p>
+            <a:r>
+              <a:rPr lang="en-US" sz="2400" b="1" dirty="0"/>
+              <a:t>B</a:t>
+            </a:r>
+            <a:endParaRPr lang="en-US" b="1" dirty="0"/>
+          </a:p>
+        </p:txBody>
+      </p:sp>
+      <p:pic>
+        <p:nvPicPr>
+          <p:cNvPr id="19" name="Picture 18">
+            <a:extLst>
+              <a:ext uri="{FF2B5EF4-FFF2-40B4-BE49-F238E27FC236}">
+                <a16:creationId xmlns:a16="http://schemas.microsoft.com/office/drawing/2014/main" id="{3365BD10-026A-5F5A-D977-6BD9DB8099F8}"/>
+              </a:ext>
+            </a:extLst>
+          </p:cNvPr>
+          <p:cNvPicPr>
+            <a:picLocks noChangeAspect="1"/>
+          </p:cNvPicPr>
+          <p:nvPr/>
+        </p:nvPicPr>
+        <p:blipFill>
+          <a:blip r:embed="rId5"/>
+          <a:srcRect l="70517" t="14144" r="-1" b="3470"/>
+          <a:stretch/>
+        </p:blipFill>
+        <p:spPr>
+          <a:xfrm>
+            <a:off x="7693396" y="8366142"/>
+            <a:ext cx="3310219" cy="3360867"/>
+          </a:xfrm>
+          <a:prstGeom prst="rect">
+            <a:avLst/>
+          </a:prstGeom>
+        </p:spPr>
+      </p:pic>
+      <p:pic>
+        <p:nvPicPr>
+          <p:cNvPr id="20" name="Picture 19">
+            <a:extLst>
+              <a:ext uri="{FF2B5EF4-FFF2-40B4-BE49-F238E27FC236}">
+                <a16:creationId xmlns:a16="http://schemas.microsoft.com/office/drawing/2014/main" id="{BC980462-F98C-DB55-D6AC-9BF73BAF525E}"/>
+              </a:ext>
+            </a:extLst>
+          </p:cNvPr>
+          <p:cNvPicPr>
+            <a:picLocks noChangeAspect="1"/>
+          </p:cNvPicPr>
+          <p:nvPr/>
+        </p:nvPicPr>
+        <p:blipFill>
+          <a:blip r:embed="rId5"/>
+          <a:srcRect l="797" t="3470" r="62386" b="3470"/>
+          <a:stretch/>
+        </p:blipFill>
+        <p:spPr>
+          <a:xfrm>
+            <a:off x="739448" y="7996637"/>
+            <a:ext cx="3866733" cy="3551417"/>
+          </a:xfrm>
+          <a:prstGeom prst="rect">
+            <a:avLst/>
+          </a:prstGeom>
+        </p:spPr>
+      </p:pic>
+      <p:sp>
+        <p:nvSpPr>
+          <p:cNvPr id="18" name="TextBox 17">
+            <a:extLst>
+              <a:ext uri="{FF2B5EF4-FFF2-40B4-BE49-F238E27FC236}">
+                <a16:creationId xmlns:a16="http://schemas.microsoft.com/office/drawing/2014/main" id="{B8D0D881-F4AD-1B71-4961-6F96832BF716}"/>
+              </a:ext>
+            </a:extLst>
+          </p:cNvPr>
+          <p:cNvSpPr txBox="1"/>
+          <p:nvPr/>
+        </p:nvSpPr>
+        <p:spPr>
+          <a:xfrm>
+            <a:off x="656747" y="7737633"/>
+            <a:ext cx="731520" cy="461665"/>
+          </a:xfrm>
+          <a:prstGeom prst="rect">
+            <a:avLst/>
+          </a:prstGeom>
+          <a:noFill/>
+        </p:spPr>
+        <p:txBody>
+          <a:bodyPr wrap="square" rtlCol="0">
+            <a:spAutoFit/>
+          </a:bodyPr>
+          <a:lstStyle/>
+          <a:p>
+            <a:r>
+              <a:rPr lang="en-US" sz="2400" b="1" dirty="0"/>
+              <a:t>C</a:t>
+            </a:r>
+            <a:endParaRPr lang="en-US" b="1" dirty="0"/>
+          </a:p>
+        </p:txBody>
+      </p:sp>
+    </p:spTree>
+    <p:extLst>
+      <p:ext uri="{BB962C8B-B14F-4D97-AF65-F5344CB8AC3E}">
+        <p14:creationId xmlns:p14="http://schemas.microsoft.com/office/powerpoint/2010/main" val="444714582"/>
       </p:ext>
     </p:extLst>
   </p:cSld>
